--- a/FruitDetect.pptx
+++ b/FruitDetect.pptx
@@ -431,7 +431,7 @@
           <a:p>
             <a:fld id="{A5FF9B32-FE95-47D7-86F7-46E8E67FB4A7}" type="datetimeFigureOut">
               <a:rPr lang="en-US" smtClean="0"/>
-              <a:t>12/30/2020</a:t>
+              <a:t>1/9/2021</a:t>
             </a:fld>
             <a:endParaRPr lang="en-US" dirty="0"/>
           </a:p>
@@ -10955,9 +10955,9 @@
         <p:grpSpPr>
           <a:xfrm>
             <a:off x="7531940" y="4211122"/>
-            <a:ext cx="4236756" cy="2646878"/>
+            <a:ext cx="4236756" cy="1500667"/>
             <a:chOff x="5881363" y="4146388"/>
-            <a:chExt cx="2749069" cy="2646878"/>
+            <a:chExt cx="2749069" cy="1500667"/>
           </a:xfrm>
           <a:noFill/>
         </p:grpSpPr>
@@ -10970,7 +10970,7 @@
           <p:spPr>
             <a:xfrm>
               <a:off x="5881363" y="4146388"/>
-              <a:ext cx="2541658" cy="338554"/>
+              <a:ext cx="1719081" cy="338554"/>
             </a:xfrm>
             <a:prstGeom prst="rect">
               <a:avLst/>
@@ -10989,19 +10989,15 @@
               </a:r>
               <a:r>
                 <a:rPr lang="en-US" sz="1600" dirty="0"/>
-                <a:t>: Tran </a:t>
+                <a:t>: Nguyen </a:t>
               </a:r>
               <a:r>
                 <a:rPr lang="en-US" sz="1600" dirty="0" err="1"/>
-                <a:t>Nhat</a:t>
+                <a:t>Thien</a:t>
               </a:r>
               <a:r>
-                <a:rPr lang="en-US" sz="1600" dirty="0"/>
-                <a:t> </a:t>
-              </a:r>
-              <a:r>
-                <a:rPr lang="en-US" sz="1600" dirty="0" err="1"/>
-                <a:t>Quang</a:t>
+                <a:rPr lang="en-US" sz="1600"/>
+                <a:t> Bao</a:t>
               </a:r>
               <a:endParaRPr lang="en-US" sz="1600" dirty="0"/>
             </a:p>
@@ -11016,7 +11012,7 @@
           <p:spPr>
             <a:xfrm>
               <a:off x="5881363" y="4484942"/>
-              <a:ext cx="2749069" cy="2308324"/>
+              <a:ext cx="2749069" cy="1162113"/>
             </a:xfrm>
             <a:prstGeom prst="rect">
               <a:avLst/>
@@ -11050,32 +11046,6 @@
               </a:pPr>
               <a:r>
                 <a:rPr lang="en-US" sz="1600" dirty="0"/>
-                <a:t>Nguyen Thanh Tam	17110219</a:t>
-              </a:r>
-            </a:p>
-            <a:p>
-              <a:pPr marL="285750" indent="-285750">
-                <a:lnSpc>
-                  <a:spcPct val="150000"/>
-                </a:lnSpc>
-                <a:buFont typeface="Arial" panose="020B0604020202020204" pitchFamily="34" charset="0"/>
-                <a:buChar char="•"/>
-              </a:pPr>
-              <a:r>
-                <a:rPr lang="en-US" sz="1600" dirty="0"/>
-                <a:t>Phan Son		17110216</a:t>
-              </a:r>
-            </a:p>
-            <a:p>
-              <a:pPr marL="285750" indent="-285750">
-                <a:lnSpc>
-                  <a:spcPct val="150000"/>
-                </a:lnSpc>
-                <a:buFont typeface="Arial" panose="020B0604020202020204" pitchFamily="34" charset="0"/>
-                <a:buChar char="•"/>
-              </a:pPr>
-              <a:r>
-                <a:rPr lang="en-US" sz="1600" dirty="0"/>
                 <a:t>Vo Minh </a:t>
               </a:r>
               <a:r>
@@ -11098,27 +11068,6 @@
               <a:r>
                 <a:rPr lang="en-US" sz="1600" dirty="0"/>
                 <a:t>Le Minh Tien		17110236</a:t>
-              </a:r>
-            </a:p>
-            <a:p>
-              <a:pPr marL="285750" indent="-285750">
-                <a:lnSpc>
-                  <a:spcPct val="150000"/>
-                </a:lnSpc>
-                <a:buFont typeface="Arial" panose="020B0604020202020204" pitchFamily="34" charset="0"/>
-                <a:buChar char="•"/>
-              </a:pPr>
-              <a:r>
-                <a:rPr lang="en-US" sz="1600" dirty="0"/>
-                <a:t>Le Quoc Nguyen </a:t>
-              </a:r>
-              <a:r>
-                <a:rPr lang="en-US" sz="1600" dirty="0" err="1"/>
-                <a:t>Vuong</a:t>
-              </a:r>
-              <a:r>
-                <a:rPr lang="en-US" sz="1600" dirty="0"/>
-                <a:t>	17115253</a:t>
               </a:r>
             </a:p>
           </p:txBody>
@@ -42913,13 +42862,13 @@
   <p:clrMapOvr>
     <a:masterClrMapping/>
   </p:clrMapOvr>
-  <mc:AlternateContent xmlns:mc="http://schemas.openxmlformats.org/markup-compatibility/2006">
-    <mc:Choice xmlns:p159="http://schemas.microsoft.com/office/powerpoint/2015/09/main" Requires="p159">
+  <mc:AlternateContent xmlns:mc="http://schemas.openxmlformats.org/markup-compatibility/2006" xmlns:p159="http://schemas.microsoft.com/office/powerpoint/2015/09/main">
+    <mc:Choice Requires="p159">
       <p:transition xmlns:p14="http://schemas.microsoft.com/office/powerpoint/2010/main" spd="slow" p14:dur="2000">
         <p159:morph option="byObject"/>
       </p:transition>
     </mc:Choice>
-    <mc:Fallback>
+    <mc:Fallback xmlns="">
       <p:transition spd="slow">
         <p:fade/>
       </p:transition>
